--- a/04_reporting_PowerBi/Report_Slides.pptx
+++ b/04_reporting_PowerBi/Report_Slides.pptx
@@ -4612,7 +4612,7 @@
         <p:spPr>
           <a:xfrm>
             <a:off x="1003430" y="1872537"/>
-            <a:ext cx="3493800" cy="569603"/>
+            <a:ext cx="2824651" cy="569603"/>
           </a:xfrm>
           <a:prstGeom prst="rect">
             <a:avLst/>
@@ -23123,7 +23123,7 @@
         </p:blipFill>
         <p:spPr>
           <a:xfrm>
-            <a:off x="1599037" y="929438"/>
+            <a:off x="1630033" y="952680"/>
             <a:ext cx="1566311" cy="664727"/>
           </a:xfrm>
           <a:prstGeom prst="rect">
@@ -23345,7 +23345,7 @@
           <a:p>
             <a:r>
               <a:rPr lang="en-US" sz="2600" dirty="0"/>
-              <a:t>Recommendations</a:t>
+              <a:t>Business Recommendations</a:t>
             </a:r>
             <a:endParaRPr sz="2600" dirty="0"/>
           </a:p>
@@ -23701,7 +23701,7 @@
                 </a:solidFill>
                 <a:latin typeface="Montserrat" panose="00000500000000000000" pitchFamily="2" charset="0"/>
               </a:rPr>
-              <a:t>Build a predictive model to assess loan default risk and inform lending decision.</a:t>
+              <a:t>Build a predictive model to assess loan default risk and inform lending decisions.</a:t>
             </a:r>
           </a:p>
           <a:p>
@@ -27800,7 +27800,7 @@
                 </a:solidFill>
                 <a:latin typeface="Montserrat" panose="00000500000000000000" pitchFamily="2" charset="0"/>
               </a:rPr>
-              <a:t>Baseline logistic regression compared against </a:t>
+              <a:t>Baseline logistic regression benchmarked against </a:t>
             </a:r>
             <a:r>
               <a:rPr lang="en-US" sz="1500" dirty="0" err="1">
